--- a/Курсовой проект/КУРСОВОЙ ПРОЕКТ.pptx
+++ b/Курсовой проект/КУРСОВОЙ ПРОЕКТ.pptx
@@ -111,6 +111,11 @@
       </a:defRPr>
     </a:lvl9pPr>
   </p:defaultTextStyle>
+  <p:extLst>
+    <p:ext uri="{EFAFB233-063F-42B5-8137-9DF3F51BA10A}">
+      <p15:sldGuideLst xmlns:p15="http://schemas.microsoft.com/office/powerpoint/2012/main"/>
+    </p:ext>
+  </p:extLst>
 </p:presentation>
 </file>
 
@@ -327,7 +332,7 @@
             <a:fld id="{E8352ED3-3C46-4C9A-9738-67B2D875E7E2}" type="datetime2">
               <a:rPr lang="en-US" smtClean="0"/>
               <a:pPr/>
-              <a:t>Friday, June 19, 2020</a:t>
+              <a:t>Monday, June 22, 2020</a:t>
             </a:fld>
             <a:endParaRPr lang="en-US" dirty="0"/>
           </a:p>
@@ -524,7 +529,7 @@
             <a:fld id="{E8352ED3-3C46-4C9A-9738-67B2D875E7E2}" type="datetime2">
               <a:rPr lang="en-US" smtClean="0"/>
               <a:pPr/>
-              <a:t>Friday, June 19, 2020</a:t>
+              <a:t>Monday, June 22, 2020</a:t>
             </a:fld>
             <a:endParaRPr lang="en-US" dirty="0"/>
           </a:p>
@@ -711,7 +716,7 @@
             <a:fld id="{E8352ED3-3C46-4C9A-9738-67B2D875E7E2}" type="datetime2">
               <a:rPr lang="en-US" smtClean="0"/>
               <a:pPr/>
-              <a:t>Friday, June 19, 2020</a:t>
+              <a:t>Monday, June 22, 2020</a:t>
             </a:fld>
             <a:endParaRPr lang="en-US" dirty="0"/>
           </a:p>
@@ -888,7 +893,7 @@
             <a:fld id="{E8352ED3-3C46-4C9A-9738-67B2D875E7E2}" type="datetime2">
               <a:rPr lang="en-US" smtClean="0"/>
               <a:pPr/>
-              <a:t>Friday, June 19, 2020</a:t>
+              <a:t>Monday, June 22, 2020</a:t>
             </a:fld>
             <a:endParaRPr lang="en-US" dirty="0"/>
           </a:p>
@@ -1151,7 +1156,7 @@
             <a:fld id="{E8352ED3-3C46-4C9A-9738-67B2D875E7E2}" type="datetime2">
               <a:rPr lang="en-US" smtClean="0"/>
               <a:pPr/>
-              <a:t>Friday, June 19, 2020</a:t>
+              <a:t>Monday, June 22, 2020</a:t>
             </a:fld>
             <a:endParaRPr lang="en-US" dirty="0"/>
           </a:p>
@@ -1446,7 +1451,7 @@
             <a:fld id="{E8352ED3-3C46-4C9A-9738-67B2D875E7E2}" type="datetime2">
               <a:rPr lang="en-US" smtClean="0"/>
               <a:pPr/>
-              <a:t>Friday, June 19, 2020</a:t>
+              <a:t>Monday, June 22, 2020</a:t>
             </a:fld>
             <a:endParaRPr lang="en-US" dirty="0"/>
           </a:p>
@@ -1891,7 +1896,7 @@
             <a:fld id="{E8352ED3-3C46-4C9A-9738-67B2D875E7E2}" type="datetime2">
               <a:rPr lang="en-US" smtClean="0"/>
               <a:pPr/>
-              <a:t>Friday, June 19, 2020</a:t>
+              <a:t>Monday, June 22, 2020</a:t>
             </a:fld>
             <a:endParaRPr lang="en-US" dirty="0"/>
           </a:p>
@@ -2016,7 +2021,7 @@
             <a:fld id="{E8352ED3-3C46-4C9A-9738-67B2D875E7E2}" type="datetime2">
               <a:rPr lang="en-US" smtClean="0"/>
               <a:pPr/>
-              <a:t>Friday, June 19, 2020</a:t>
+              <a:t>Monday, June 22, 2020</a:t>
             </a:fld>
             <a:endParaRPr lang="en-US" dirty="0"/>
           </a:p>
@@ -2118,7 +2123,7 @@
             <a:fld id="{E8352ED3-3C46-4C9A-9738-67B2D875E7E2}" type="datetime2">
               <a:rPr lang="en-US" smtClean="0"/>
               <a:pPr/>
-              <a:t>Friday, June 19, 2020</a:t>
+              <a:t>Monday, June 22, 2020</a:t>
             </a:fld>
             <a:endParaRPr lang="en-US" dirty="0"/>
           </a:p>
@@ -2481,7 +2486,7 @@
             <a:fld id="{E8352ED3-3C46-4C9A-9738-67B2D875E7E2}" type="datetime2">
               <a:rPr lang="en-US" smtClean="0"/>
               <a:pPr/>
-              <a:t>Friday, June 19, 2020</a:t>
+              <a:t>Monday, June 22, 2020</a:t>
             </a:fld>
             <a:endParaRPr lang="en-US" dirty="0"/>
           </a:p>
@@ -2804,7 +2809,7 @@
             <a:fld id="{E8352ED3-3C46-4C9A-9738-67B2D875E7E2}" type="datetime2">
               <a:rPr lang="en-US" smtClean="0"/>
               <a:pPr/>
-              <a:t>Friday, June 19, 2020</a:t>
+              <a:t>Monday, June 22, 2020</a:t>
             </a:fld>
             <a:endParaRPr lang="en-US" dirty="0"/>
           </a:p>
@@ -3044,7 +3049,7 @@
             <a:fld id="{E8352ED3-3C46-4C9A-9738-67B2D875E7E2}" type="datetime2">
               <a:rPr lang="en-US" smtClean="0"/>
               <a:pPr/>
-              <a:t>Friday, June 19, 2020</a:t>
+              <a:t>Monday, June 22, 2020</a:t>
             </a:fld>
             <a:endParaRPr lang="en-US" dirty="0"/>
           </a:p>
@@ -3515,8 +3520,20 @@
               <a:rPr lang="ru-RU" sz="4400" dirty="0"/>
             </a:br>
             <a:r>
+              <a:rPr lang="ru-RU" sz="4400"/>
+              <a:t>По МДК</a:t>
+            </a:r>
+            <a:r>
               <a:rPr lang="ru-RU" sz="4400" dirty="0"/>
-              <a:t>По дисциплине «МДК.01.02 Прикладное программирование»</a:t>
+              <a:t>.</a:t>
+            </a:r>
+            <a:r>
+              <a:rPr lang="ru-RU" sz="4400"/>
+              <a:t>01.02 «Прикладное </a:t>
+            </a:r>
+            <a:r>
+              <a:rPr lang="ru-RU" sz="4400" dirty="0"/>
+              <a:t>программирование»</a:t>
             </a:r>
             <a:br>
               <a:rPr lang="ru-RU" sz="4400" dirty="0"/>
@@ -3527,7 +3544,11 @@
             </a:r>
             <a:r>
               <a:rPr lang="ru-RU" sz="4400" b="1" dirty="0"/>
-              <a:t>«Разработка приложения “Предприятие быстрого питания”»</a:t>
+              <a:t>«Разработка </a:t>
+            </a:r>
+            <a:r>
+              <a:rPr lang="ru-RU" sz="4400" b="1"/>
+              <a:t>приложения «Предприятие быстрого питания»»</a:t>
             </a:r>
             <a:br>
               <a:rPr lang="ru-RU" sz="4400" dirty="0"/>
@@ -3679,6 +3700,14 @@
               <a:rPr lang="en-US" dirty="0"/>
               <a:t>Lazarus</a:t>
             </a:r>
+            <a:r>
+              <a:rPr lang="ru-RU" dirty="0"/>
+              <a:t> </a:t>
+            </a:r>
+            <a:r>
+              <a:rPr lang="en-US" dirty="0"/>
+              <a:t>v2.0.8</a:t>
+            </a:r>
             <a:endParaRPr lang="ru-RU" dirty="0"/>
           </a:p>
           <a:p>
@@ -3694,6 +3723,11 @@
               <a:rPr lang="en-US" dirty="0"/>
               <a:t>FireBird</a:t>
             </a:r>
+            <a:r>
+              <a:rPr lang="ru-RU" dirty="0"/>
+              <a:t> 2.5.</a:t>
+            </a:r>
+            <a:endParaRPr lang="en-US" dirty="0"/>
           </a:p>
         </p:txBody>
       </p:sp>
@@ -4067,21 +4101,124 @@
           </a:p>
         </p:txBody>
       </p:sp>
+      <p:sp>
+        <p:nvSpPr>
+          <p:cNvPr id="7" name="TextBox 6">
+            <a:extLst>
+              <a:ext uri="{FF2B5EF4-FFF2-40B4-BE49-F238E27FC236}">
+                <a16:creationId xmlns:a16="http://schemas.microsoft.com/office/drawing/2014/main" id="{2EDF4285-1DF5-49ED-AB12-CC7DAB24968C}"/>
+              </a:ext>
+            </a:extLst>
+          </p:cNvPr>
+          <p:cNvSpPr txBox="1"/>
+          <p:nvPr/>
+        </p:nvSpPr>
+        <p:spPr>
+          <a:xfrm>
+            <a:off x="676276" y="1663184"/>
+            <a:ext cx="4324350" cy="369332"/>
+          </a:xfrm>
+          <a:prstGeom prst="rect">
+            <a:avLst/>
+          </a:prstGeom>
+          <a:noFill/>
+        </p:spPr>
+        <p:txBody>
+          <a:bodyPr wrap="square" rtlCol="0">
+            <a:spAutoFit/>
+          </a:bodyPr>
+          <a:lstStyle/>
+          <a:p>
+            <a:r>
+              <a:rPr lang="ru-RU" b="1" dirty="0"/>
+              <a:t>Таблица «Меню предприятия»</a:t>
+            </a:r>
+          </a:p>
+        </p:txBody>
+      </p:sp>
+      <p:sp>
+        <p:nvSpPr>
+          <p:cNvPr id="8" name="TextBox 7">
+            <a:extLst>
+              <a:ext uri="{FF2B5EF4-FFF2-40B4-BE49-F238E27FC236}">
+                <a16:creationId xmlns:a16="http://schemas.microsoft.com/office/drawing/2014/main" id="{7632C359-5EDF-4351-BF69-C6DD4BF99AF1}"/>
+              </a:ext>
+            </a:extLst>
+          </p:cNvPr>
+          <p:cNvSpPr txBox="1"/>
+          <p:nvPr/>
+        </p:nvSpPr>
+        <p:spPr>
+          <a:xfrm>
+            <a:off x="715754" y="3097049"/>
+            <a:ext cx="2122697" cy="369332"/>
+          </a:xfrm>
+          <a:prstGeom prst="rect">
+            <a:avLst/>
+          </a:prstGeom>
+          <a:noFill/>
+        </p:spPr>
+        <p:txBody>
+          <a:bodyPr wrap="none" rtlCol="0">
+            <a:spAutoFit/>
+          </a:bodyPr>
+          <a:lstStyle/>
+          <a:p>
+            <a:r>
+              <a:rPr lang="ru-RU" b="1" dirty="0"/>
+              <a:t>Таблица «Финансы»</a:t>
+            </a:r>
+          </a:p>
+        </p:txBody>
+      </p:sp>
+      <p:sp>
+        <p:nvSpPr>
+          <p:cNvPr id="9" name="TextBox 8">
+            <a:extLst>
+              <a:ext uri="{FF2B5EF4-FFF2-40B4-BE49-F238E27FC236}">
+                <a16:creationId xmlns:a16="http://schemas.microsoft.com/office/drawing/2014/main" id="{2DD02D6D-4251-416F-A218-609CDBC94EFE}"/>
+              </a:ext>
+            </a:extLst>
+          </p:cNvPr>
+          <p:cNvSpPr txBox="1"/>
+          <p:nvPr/>
+        </p:nvSpPr>
+        <p:spPr>
+          <a:xfrm>
+            <a:off x="676276" y="4639740"/>
+            <a:ext cx="1859805" cy="369332"/>
+          </a:xfrm>
+          <a:prstGeom prst="rect">
+            <a:avLst/>
+          </a:prstGeom>
+          <a:noFill/>
+        </p:spPr>
+        <p:txBody>
+          <a:bodyPr wrap="none" rtlCol="0">
+            <a:spAutoFit/>
+          </a:bodyPr>
+          <a:lstStyle/>
+          <a:p>
+            <a:r>
+              <a:rPr lang="ru-RU" b="1" dirty="0"/>
+              <a:t>Таблица «Склад»</a:t>
+            </a:r>
+          </a:p>
+        </p:txBody>
+      </p:sp>
       <p:pic>
         <p:nvPicPr>
-          <p:cNvPr id="4" name="Объект 3">
+          <p:cNvPr id="3" name="Рисунок 2">
             <a:extLst>
               <a:ext uri="{FF2B5EF4-FFF2-40B4-BE49-F238E27FC236}">
-                <a16:creationId xmlns:a16="http://schemas.microsoft.com/office/drawing/2014/main" id="{B2DE5397-0FAD-4230-98AD-DA0264C23770}"/>
+                <a16:creationId xmlns:a16="http://schemas.microsoft.com/office/drawing/2014/main" id="{B9FFCAB1-F45E-4889-BD4E-6AD6F3885549}"/>
               </a:ext>
             </a:extLst>
           </p:cNvPr>
           <p:cNvPicPr>
-            <a:picLocks noGrp="1" noChangeAspect="1"/>
+            <a:picLocks noChangeAspect="1"/>
           </p:cNvPicPr>
-          <p:nvPr>
-            <p:ph idx="1"/>
-          </p:nvPr>
+          <p:nvPr/>
         </p:nvPicPr>
         <p:blipFill>
           <a:blip r:embed="rId2"/>
@@ -4091,8 +4228,8 @@
         </p:blipFill>
         <p:spPr>
           <a:xfrm>
-            <a:off x="676276" y="2098428"/>
-            <a:ext cx="10201275" cy="857250"/>
+            <a:off x="704851" y="5047765"/>
+            <a:ext cx="10239375" cy="895350"/>
           </a:xfrm>
           <a:prstGeom prst="rect">
             <a:avLst/>
@@ -4101,17 +4238,19 @@
       </p:pic>
       <p:pic>
         <p:nvPicPr>
-          <p:cNvPr id="5" name="Рисунок 4">
+          <p:cNvPr id="12" name="Объект 11">
             <a:extLst>
               <a:ext uri="{FF2B5EF4-FFF2-40B4-BE49-F238E27FC236}">
-                <a16:creationId xmlns:a16="http://schemas.microsoft.com/office/drawing/2014/main" id="{70F91A46-53CD-4E2A-963F-FC3DE9A5003A}"/>
+                <a16:creationId xmlns:a16="http://schemas.microsoft.com/office/drawing/2014/main" id="{C0412A92-39B3-45D0-BE94-19AC546611D4}"/>
               </a:ext>
             </a:extLst>
           </p:cNvPr>
           <p:cNvPicPr>
-            <a:picLocks noChangeAspect="1"/>
+            <a:picLocks noGrp="1" noChangeAspect="1"/>
           </p:cNvPicPr>
-          <p:nvPr/>
+          <p:nvPr>
+            <p:ph idx="1"/>
+          </p:nvPr>
         </p:nvPicPr>
         <p:blipFill>
           <a:blip r:embed="rId3"/>
@@ -4121,8 +4260,8 @@
         </p:blipFill>
         <p:spPr>
           <a:xfrm>
-            <a:off x="676276" y="3448523"/>
-            <a:ext cx="10267950" cy="1152525"/>
+            <a:off x="676276" y="2046528"/>
+            <a:ext cx="10229850" cy="1076325"/>
           </a:xfrm>
           <a:prstGeom prst="rect">
             <a:avLst/>
@@ -4131,10 +4270,10 @@
       </p:pic>
       <p:pic>
         <p:nvPicPr>
-          <p:cNvPr id="6" name="Рисунок 5">
+          <p:cNvPr id="13" name="Рисунок 12">
             <a:extLst>
               <a:ext uri="{FF2B5EF4-FFF2-40B4-BE49-F238E27FC236}">
-                <a16:creationId xmlns:a16="http://schemas.microsoft.com/office/drawing/2014/main" id="{BAF17FBD-201E-401C-B2D9-D1B080A9BF7C}"/>
+                <a16:creationId xmlns:a16="http://schemas.microsoft.com/office/drawing/2014/main" id="{1C6E2460-3547-44F0-BFA4-9B18EBD35653}"/>
               </a:ext>
             </a:extLst>
           </p:cNvPr>
@@ -4151,119 +4290,14 @@
         </p:blipFill>
         <p:spPr>
           <a:xfrm>
-            <a:off x="676276" y="5194816"/>
-            <a:ext cx="10267950" cy="866775"/>
+            <a:off x="704851" y="3486623"/>
+            <a:ext cx="10267950" cy="1114425"/>
           </a:xfrm>
           <a:prstGeom prst="rect">
             <a:avLst/>
           </a:prstGeom>
         </p:spPr>
       </p:pic>
-      <p:sp>
-        <p:nvSpPr>
-          <p:cNvPr id="7" name="TextBox 6">
-            <a:extLst>
-              <a:ext uri="{FF2B5EF4-FFF2-40B4-BE49-F238E27FC236}">
-                <a16:creationId xmlns:a16="http://schemas.microsoft.com/office/drawing/2014/main" id="{2EDF4285-1DF5-49ED-AB12-CC7DAB24968C}"/>
-              </a:ext>
-            </a:extLst>
-          </p:cNvPr>
-          <p:cNvSpPr txBox="1"/>
-          <p:nvPr/>
-        </p:nvSpPr>
-        <p:spPr>
-          <a:xfrm>
-            <a:off x="676276" y="1663184"/>
-            <a:ext cx="4324350" cy="369332"/>
-          </a:xfrm>
-          <a:prstGeom prst="rect">
-            <a:avLst/>
-          </a:prstGeom>
-          <a:noFill/>
-        </p:spPr>
-        <p:txBody>
-          <a:bodyPr wrap="square" rtlCol="0">
-            <a:spAutoFit/>
-          </a:bodyPr>
-          <a:lstStyle/>
-          <a:p>
-            <a:r>
-              <a:rPr lang="ru-RU" b="1" dirty="0"/>
-              <a:t>Таблица «Меню предприятия»</a:t>
-            </a:r>
-          </a:p>
-        </p:txBody>
-      </p:sp>
-      <p:sp>
-        <p:nvSpPr>
-          <p:cNvPr id="8" name="TextBox 7">
-            <a:extLst>
-              <a:ext uri="{FF2B5EF4-FFF2-40B4-BE49-F238E27FC236}">
-                <a16:creationId xmlns:a16="http://schemas.microsoft.com/office/drawing/2014/main" id="{7632C359-5EDF-4351-BF69-C6DD4BF99AF1}"/>
-              </a:ext>
-            </a:extLst>
-          </p:cNvPr>
-          <p:cNvSpPr txBox="1"/>
-          <p:nvPr/>
-        </p:nvSpPr>
-        <p:spPr>
-          <a:xfrm>
-            <a:off x="762000" y="3040146"/>
-            <a:ext cx="2161169" cy="369332"/>
-          </a:xfrm>
-          <a:prstGeom prst="rect">
-            <a:avLst/>
-          </a:prstGeom>
-          <a:noFill/>
-        </p:spPr>
-        <p:txBody>
-          <a:bodyPr wrap="none" rtlCol="0">
-            <a:spAutoFit/>
-          </a:bodyPr>
-          <a:lstStyle/>
-          <a:p>
-            <a:r>
-              <a:rPr lang="ru-RU" b="1" dirty="0"/>
-              <a:t>Таблица «Финансы»</a:t>
-            </a:r>
-          </a:p>
-        </p:txBody>
-      </p:sp>
-      <p:sp>
-        <p:nvSpPr>
-          <p:cNvPr id="9" name="TextBox 8">
-            <a:extLst>
-              <a:ext uri="{FF2B5EF4-FFF2-40B4-BE49-F238E27FC236}">
-                <a16:creationId xmlns:a16="http://schemas.microsoft.com/office/drawing/2014/main" id="{2DD02D6D-4251-416F-A218-609CDBC94EFE}"/>
-              </a:ext>
-            </a:extLst>
-          </p:cNvPr>
-          <p:cNvSpPr txBox="1"/>
-          <p:nvPr/>
-        </p:nvSpPr>
-        <p:spPr>
-          <a:xfrm>
-            <a:off x="676276" y="4704237"/>
-            <a:ext cx="1859805" cy="369332"/>
-          </a:xfrm>
-          <a:prstGeom prst="rect">
-            <a:avLst/>
-          </a:prstGeom>
-          <a:noFill/>
-        </p:spPr>
-        <p:txBody>
-          <a:bodyPr wrap="none" rtlCol="0">
-            <a:spAutoFit/>
-          </a:bodyPr>
-          <a:lstStyle/>
-          <a:p>
-            <a:r>
-              <a:rPr lang="ru-RU" b="1" dirty="0"/>
-              <a:t>Таблица «Склад»</a:t>
-            </a:r>
-          </a:p>
-        </p:txBody>
-      </p:sp>
     </p:spTree>
     <p:extLst>
       <p:ext uri="{BB962C8B-B14F-4D97-AF65-F5344CB8AC3E}">
@@ -4294,41 +4328,6 @@
           <a:chExt cx="0" cy="0"/>
         </a:xfrm>
       </p:grpSpPr>
-      <p:pic>
-        <p:nvPicPr>
-          <p:cNvPr id="10" name="Объект 9">
-            <a:extLst>
-              <a:ext uri="{FF2B5EF4-FFF2-40B4-BE49-F238E27FC236}">
-                <a16:creationId xmlns:a16="http://schemas.microsoft.com/office/drawing/2014/main" id="{4C6DE6EC-B16C-46F0-8441-3A551FA3EFCA}"/>
-              </a:ext>
-            </a:extLst>
-          </p:cNvPr>
-          <p:cNvPicPr>
-            <a:picLocks noGrp="1" noChangeAspect="1"/>
-          </p:cNvPicPr>
-          <p:nvPr>
-            <p:ph idx="1"/>
-          </p:nvPr>
-        </p:nvPicPr>
-        <p:blipFill>
-          <a:blip r:embed="rId2">
-            <a:extLst>
-              <a:ext uri="{28A0092B-C50C-407E-A947-70E740481C1C}">
-                <a14:useLocalDpi xmlns:a14="http://schemas.microsoft.com/office/drawing/2010/main" val="0"/>
-              </a:ext>
-            </a:extLst>
-          </a:blip>
-          <a:stretch>
-            <a:fillRect/>
-          </a:stretch>
-        </p:blipFill>
-        <p:spPr>
-          <a:xfrm>
-            <a:off x="762001" y="499533"/>
-            <a:ext cx="5293880" cy="3767137"/>
-          </a:xfrm>
-        </p:spPr>
-      </p:pic>
       <p:sp>
         <p:nvSpPr>
           <p:cNvPr id="2" name="Заголовок 1">
@@ -4375,7 +4374,7 @@
           <p:nvPr/>
         </p:nvPicPr>
         <p:blipFill>
-          <a:blip r:embed="rId3"/>
+          <a:blip r:embed="rId2"/>
           <a:stretch>
             <a:fillRect/>
           </a:stretch>
@@ -4388,6 +4387,41 @@
           <a:prstGeom prst="rect">
             <a:avLst/>
           </a:prstGeom>
+        </p:spPr>
+      </p:pic>
+      <p:pic>
+        <p:nvPicPr>
+          <p:cNvPr id="8" name="Объект 7">
+            <a:extLst>
+              <a:ext uri="{FF2B5EF4-FFF2-40B4-BE49-F238E27FC236}">
+                <a16:creationId xmlns:a16="http://schemas.microsoft.com/office/drawing/2014/main" id="{9A5CC4FF-43E3-4F43-A5F2-BF23B75DC2F2}"/>
+              </a:ext>
+            </a:extLst>
+          </p:cNvPr>
+          <p:cNvPicPr>
+            <a:picLocks noGrp="1" noChangeAspect="1"/>
+          </p:cNvPicPr>
+          <p:nvPr>
+            <p:ph idx="1"/>
+          </p:nvPr>
+        </p:nvPicPr>
+        <p:blipFill>
+          <a:blip r:embed="rId3">
+            <a:extLst>
+              <a:ext uri="{28A0092B-C50C-407E-A947-70E740481C1C}">
+                <a14:useLocalDpi xmlns:a14="http://schemas.microsoft.com/office/drawing/2010/main" val="0"/>
+              </a:ext>
+            </a:extLst>
+          </a:blip>
+          <a:stretch>
+            <a:fillRect/>
+          </a:stretch>
+        </p:blipFill>
+        <p:spPr>
+          <a:xfrm>
+            <a:off x="802120" y="499533"/>
+            <a:ext cx="5293880" cy="3767137"/>
+          </a:xfrm>
         </p:spPr>
       </p:pic>
       <p:pic>

--- a/Курсовой проект/КУРСОВОЙ ПРОЕКТ.pptx
+++ b/Курсовой проект/КУРСОВОЙ ПРОЕКТ.pptx
@@ -332,7 +332,7 @@
             <a:fld id="{E8352ED3-3C46-4C9A-9738-67B2D875E7E2}" type="datetime2">
               <a:rPr lang="en-US" smtClean="0"/>
               <a:pPr/>
-              <a:t>Monday, June 22, 2020</a:t>
+              <a:t>Tuesday, June 23, 2020</a:t>
             </a:fld>
             <a:endParaRPr lang="en-US" dirty="0"/>
           </a:p>
@@ -529,7 +529,7 @@
             <a:fld id="{E8352ED3-3C46-4C9A-9738-67B2D875E7E2}" type="datetime2">
               <a:rPr lang="en-US" smtClean="0"/>
               <a:pPr/>
-              <a:t>Monday, June 22, 2020</a:t>
+              <a:t>Tuesday, June 23, 2020</a:t>
             </a:fld>
             <a:endParaRPr lang="en-US" dirty="0"/>
           </a:p>
@@ -716,7 +716,7 @@
             <a:fld id="{E8352ED3-3C46-4C9A-9738-67B2D875E7E2}" type="datetime2">
               <a:rPr lang="en-US" smtClean="0"/>
               <a:pPr/>
-              <a:t>Monday, June 22, 2020</a:t>
+              <a:t>Tuesday, June 23, 2020</a:t>
             </a:fld>
             <a:endParaRPr lang="en-US" dirty="0"/>
           </a:p>
@@ -893,7 +893,7 @@
             <a:fld id="{E8352ED3-3C46-4C9A-9738-67B2D875E7E2}" type="datetime2">
               <a:rPr lang="en-US" smtClean="0"/>
               <a:pPr/>
-              <a:t>Monday, June 22, 2020</a:t>
+              <a:t>Tuesday, June 23, 2020</a:t>
             </a:fld>
             <a:endParaRPr lang="en-US" dirty="0"/>
           </a:p>
@@ -1156,7 +1156,7 @@
             <a:fld id="{E8352ED3-3C46-4C9A-9738-67B2D875E7E2}" type="datetime2">
               <a:rPr lang="en-US" smtClean="0"/>
               <a:pPr/>
-              <a:t>Monday, June 22, 2020</a:t>
+              <a:t>Tuesday, June 23, 2020</a:t>
             </a:fld>
             <a:endParaRPr lang="en-US" dirty="0"/>
           </a:p>
@@ -1451,7 +1451,7 @@
             <a:fld id="{E8352ED3-3C46-4C9A-9738-67B2D875E7E2}" type="datetime2">
               <a:rPr lang="en-US" smtClean="0"/>
               <a:pPr/>
-              <a:t>Monday, June 22, 2020</a:t>
+              <a:t>Tuesday, June 23, 2020</a:t>
             </a:fld>
             <a:endParaRPr lang="en-US" dirty="0"/>
           </a:p>
@@ -1896,7 +1896,7 @@
             <a:fld id="{E8352ED3-3C46-4C9A-9738-67B2D875E7E2}" type="datetime2">
               <a:rPr lang="en-US" smtClean="0"/>
               <a:pPr/>
-              <a:t>Monday, June 22, 2020</a:t>
+              <a:t>Tuesday, June 23, 2020</a:t>
             </a:fld>
             <a:endParaRPr lang="en-US" dirty="0"/>
           </a:p>
@@ -2021,7 +2021,7 @@
             <a:fld id="{E8352ED3-3C46-4C9A-9738-67B2D875E7E2}" type="datetime2">
               <a:rPr lang="en-US" smtClean="0"/>
               <a:pPr/>
-              <a:t>Monday, June 22, 2020</a:t>
+              <a:t>Tuesday, June 23, 2020</a:t>
             </a:fld>
             <a:endParaRPr lang="en-US" dirty="0"/>
           </a:p>
@@ -2123,7 +2123,7 @@
             <a:fld id="{E8352ED3-3C46-4C9A-9738-67B2D875E7E2}" type="datetime2">
               <a:rPr lang="en-US" smtClean="0"/>
               <a:pPr/>
-              <a:t>Monday, June 22, 2020</a:t>
+              <a:t>Tuesday, June 23, 2020</a:t>
             </a:fld>
             <a:endParaRPr lang="en-US" dirty="0"/>
           </a:p>
@@ -2486,7 +2486,7 @@
             <a:fld id="{E8352ED3-3C46-4C9A-9738-67B2D875E7E2}" type="datetime2">
               <a:rPr lang="en-US" smtClean="0"/>
               <a:pPr/>
-              <a:t>Monday, June 22, 2020</a:t>
+              <a:t>Tuesday, June 23, 2020</a:t>
             </a:fld>
             <a:endParaRPr lang="en-US" dirty="0"/>
           </a:p>
@@ -2809,7 +2809,7 @@
             <a:fld id="{E8352ED3-3C46-4C9A-9738-67B2D875E7E2}" type="datetime2">
               <a:rPr lang="en-US" smtClean="0"/>
               <a:pPr/>
-              <a:t>Monday, June 22, 2020</a:t>
+              <a:t>Tuesday, June 23, 2020</a:t>
             </a:fld>
             <a:endParaRPr lang="en-US" dirty="0"/>
           </a:p>
@@ -3049,7 +3049,7 @@
             <a:fld id="{E8352ED3-3C46-4C9A-9738-67B2D875E7E2}" type="datetime2">
               <a:rPr lang="en-US" smtClean="0"/>
               <a:pPr/>
-              <a:t>Monday, June 22, 2020</a:t>
+              <a:t>Tuesday, June 23, 2020</a:t>
             </a:fld>
             <a:endParaRPr lang="en-US" dirty="0"/>
           </a:p>
@@ -3731,6 +3731,100 @@
           </a:p>
         </p:txBody>
       </p:sp>
+      <p:pic>
+        <p:nvPicPr>
+          <p:cNvPr id="1026" name="Picture 2" descr="Lazarus cкачать на Windows бесплатно">
+            <a:extLst>
+              <a:ext uri="{FF2B5EF4-FFF2-40B4-BE49-F238E27FC236}">
+                <a16:creationId xmlns:a16="http://schemas.microsoft.com/office/drawing/2014/main" id="{0C28953C-E794-4717-8C80-166489CAB8F8}"/>
+              </a:ext>
+            </a:extLst>
+          </p:cNvPr>
+          <p:cNvPicPr>
+            <a:picLocks noChangeAspect="1" noChangeArrowheads="1"/>
+          </p:cNvPicPr>
+          <p:nvPr/>
+        </p:nvPicPr>
+        <p:blipFill>
+          <a:blip r:embed="rId2">
+            <a:extLst>
+              <a:ext uri="{28A0092B-C50C-407E-A947-70E740481C1C}">
+                <a14:useLocalDpi xmlns:a14="http://schemas.microsoft.com/office/drawing/2010/main" val="0"/>
+              </a:ext>
+            </a:extLst>
+          </a:blip>
+          <a:srcRect/>
+          <a:stretch>
+            <a:fillRect/>
+          </a:stretch>
+        </p:blipFill>
+        <p:spPr bwMode="auto">
+          <a:xfrm>
+            <a:off x="2817922" y="3894772"/>
+            <a:ext cx="2597458" cy="2597458"/>
+          </a:xfrm>
+          <a:prstGeom prst="rect">
+            <a:avLst/>
+          </a:prstGeom>
+          <a:noFill/>
+          <a:extLst>
+            <a:ext uri="{909E8E84-426E-40DD-AFC4-6F175D3DCCD1}">
+              <a14:hiddenFill xmlns:a14="http://schemas.microsoft.com/office/drawing/2010/main">
+                <a:solidFill>
+                  <a:srgbClr val="FFFFFF"/>
+                </a:solidFill>
+              </a14:hiddenFill>
+            </a:ext>
+          </a:extLst>
+        </p:spPr>
+      </p:pic>
+      <p:pic>
+        <p:nvPicPr>
+          <p:cNvPr id="1028" name="Picture 4" descr="Firebird - скачать бесплатно Firebird 2.5.7">
+            <a:extLst>
+              <a:ext uri="{FF2B5EF4-FFF2-40B4-BE49-F238E27FC236}">
+                <a16:creationId xmlns:a16="http://schemas.microsoft.com/office/drawing/2014/main" id="{9184C97E-0617-4024-9552-A1BD37B7278F}"/>
+              </a:ext>
+            </a:extLst>
+          </p:cNvPr>
+          <p:cNvPicPr>
+            <a:picLocks noChangeAspect="1" noChangeArrowheads="1"/>
+          </p:cNvPicPr>
+          <p:nvPr/>
+        </p:nvPicPr>
+        <p:blipFill>
+          <a:blip r:embed="rId3">
+            <a:extLst>
+              <a:ext uri="{28A0092B-C50C-407E-A947-70E740481C1C}">
+                <a14:useLocalDpi xmlns:a14="http://schemas.microsoft.com/office/drawing/2010/main" val="0"/>
+              </a:ext>
+            </a:extLst>
+          </a:blip>
+          <a:srcRect/>
+          <a:stretch>
+            <a:fillRect/>
+          </a:stretch>
+        </p:blipFill>
+        <p:spPr bwMode="auto">
+          <a:xfrm>
+            <a:off x="6776620" y="3761009"/>
+            <a:ext cx="2597458" cy="2597458"/>
+          </a:xfrm>
+          <a:prstGeom prst="rect">
+            <a:avLst/>
+          </a:prstGeom>
+          <a:noFill/>
+          <a:extLst>
+            <a:ext uri="{909E8E84-426E-40DD-AFC4-6F175D3DCCD1}">
+              <a14:hiddenFill xmlns:a14="http://schemas.microsoft.com/office/drawing/2010/main">
+                <a:solidFill>
+                  <a:srgbClr val="FFFFFF"/>
+                </a:solidFill>
+              </a14:hiddenFill>
+            </a:ext>
+          </a:extLst>
+        </p:spPr>
+      </p:pic>
     </p:spTree>
     <p:extLst>
       <p:ext uri="{BB962C8B-B14F-4D97-AF65-F5344CB8AC3E}">
@@ -4228,7 +4322,7 @@
         </p:blipFill>
         <p:spPr>
           <a:xfrm>
-            <a:off x="704851" y="5047765"/>
+            <a:off x="704851" y="5033753"/>
             <a:ext cx="10239375" cy="895350"/>
           </a:xfrm>
           <a:prstGeom prst="rect">
@@ -4260,7 +4354,7 @@
         </p:blipFill>
         <p:spPr>
           <a:xfrm>
-            <a:off x="676276" y="2046528"/>
+            <a:off x="676276" y="2032516"/>
             <a:ext cx="10229850" cy="1076325"/>
           </a:xfrm>
           <a:prstGeom prst="rect">
@@ -4290,7 +4384,7 @@
         </p:blipFill>
         <p:spPr>
           <a:xfrm>
-            <a:off x="704851" y="3486623"/>
+            <a:off x="704851" y="3472611"/>
             <a:ext cx="10267950" cy="1114425"/>
           </a:xfrm>
           <a:prstGeom prst="rect">
@@ -4426,14 +4520,16 @@
       </p:pic>
       <p:pic>
         <p:nvPicPr>
-          <p:cNvPr id="6" name="Рисунок 5">
+          <p:cNvPr id="3" name="Рисунок 2">
             <a:extLst>
               <a:ext uri="{FF2B5EF4-FFF2-40B4-BE49-F238E27FC236}">
-                <a16:creationId xmlns:a16="http://schemas.microsoft.com/office/drawing/2014/main" id="{0C8527DC-4958-46C7-BFC6-44E12E77C0D5}"/>
+                <a16:creationId xmlns:a16="http://schemas.microsoft.com/office/drawing/2014/main" id="{A4A7D502-2532-4D41-825B-319CC284C09C}"/>
               </a:ext>
             </a:extLst>
           </p:cNvPr>
-          <p:cNvPicPr/>
+          <p:cNvPicPr>
+            <a:picLocks noChangeAspect="1"/>
+          </p:cNvPicPr>
           <p:nvPr/>
         </p:nvPicPr>
         <p:blipFill>
@@ -4444,8 +4540,8 @@
         </p:blipFill>
         <p:spPr>
           <a:xfrm>
-            <a:off x="4498543" y="3091392"/>
-            <a:ext cx="3895725" cy="3267075"/>
+            <a:off x="4496309" y="3129492"/>
+            <a:ext cx="3838575" cy="3228975"/>
           </a:xfrm>
           <a:prstGeom prst="rect">
             <a:avLst/>
